--- a/Technical Prototype/Diagrams.pptx
+++ b/Technical Prototype/Diagrams.pptx
@@ -242,7 +242,7 @@
           <a:p>
             <a:fld id="{35F845B1-B16D-426F-8C61-118C34761407}" type="datetimeFigureOut">
               <a:rPr lang="en-US" smtClean="0"/>
-              <a:t>3/16/2017</a:t>
+              <a:t>3/17/2017</a:t>
             </a:fld>
             <a:endParaRPr lang="en-US"/>
           </a:p>
@@ -410,7 +410,7 @@
           <a:p>
             <a:fld id="{35F845B1-B16D-426F-8C61-118C34761407}" type="datetimeFigureOut">
               <a:rPr lang="en-US" smtClean="0"/>
-              <a:t>3/16/2017</a:t>
+              <a:t>3/17/2017</a:t>
             </a:fld>
             <a:endParaRPr lang="en-US"/>
           </a:p>
@@ -588,7 +588,7 @@
           <a:p>
             <a:fld id="{35F845B1-B16D-426F-8C61-118C34761407}" type="datetimeFigureOut">
               <a:rPr lang="en-US" smtClean="0"/>
-              <a:t>3/16/2017</a:t>
+              <a:t>3/17/2017</a:t>
             </a:fld>
             <a:endParaRPr lang="en-US"/>
           </a:p>
@@ -756,7 +756,7 @@
           <a:p>
             <a:fld id="{35F845B1-B16D-426F-8C61-118C34761407}" type="datetimeFigureOut">
               <a:rPr lang="en-US" smtClean="0"/>
-              <a:t>3/16/2017</a:t>
+              <a:t>3/17/2017</a:t>
             </a:fld>
             <a:endParaRPr lang="en-US"/>
           </a:p>
@@ -1001,7 +1001,7 @@
           <a:p>
             <a:fld id="{35F845B1-B16D-426F-8C61-118C34761407}" type="datetimeFigureOut">
               <a:rPr lang="en-US" smtClean="0"/>
-              <a:t>3/16/2017</a:t>
+              <a:t>3/17/2017</a:t>
             </a:fld>
             <a:endParaRPr lang="en-US"/>
           </a:p>
@@ -1230,7 +1230,7 @@
           <a:p>
             <a:fld id="{35F845B1-B16D-426F-8C61-118C34761407}" type="datetimeFigureOut">
               <a:rPr lang="en-US" smtClean="0"/>
-              <a:t>3/16/2017</a:t>
+              <a:t>3/17/2017</a:t>
             </a:fld>
             <a:endParaRPr lang="en-US"/>
           </a:p>
@@ -1594,7 +1594,7 @@
           <a:p>
             <a:fld id="{35F845B1-B16D-426F-8C61-118C34761407}" type="datetimeFigureOut">
               <a:rPr lang="en-US" smtClean="0"/>
-              <a:t>3/16/2017</a:t>
+              <a:t>3/17/2017</a:t>
             </a:fld>
             <a:endParaRPr lang="en-US"/>
           </a:p>
@@ -1711,7 +1711,7 @@
           <a:p>
             <a:fld id="{35F845B1-B16D-426F-8C61-118C34761407}" type="datetimeFigureOut">
               <a:rPr lang="en-US" smtClean="0"/>
-              <a:t>3/16/2017</a:t>
+              <a:t>3/17/2017</a:t>
             </a:fld>
             <a:endParaRPr lang="en-US"/>
           </a:p>
@@ -1806,7 +1806,7 @@
           <a:p>
             <a:fld id="{35F845B1-B16D-426F-8C61-118C34761407}" type="datetimeFigureOut">
               <a:rPr lang="en-US" smtClean="0"/>
-              <a:t>3/16/2017</a:t>
+              <a:t>3/17/2017</a:t>
             </a:fld>
             <a:endParaRPr lang="en-US"/>
           </a:p>
@@ -2081,7 +2081,7 @@
           <a:p>
             <a:fld id="{35F845B1-B16D-426F-8C61-118C34761407}" type="datetimeFigureOut">
               <a:rPr lang="en-US" smtClean="0"/>
-              <a:t>3/16/2017</a:t>
+              <a:t>3/17/2017</a:t>
             </a:fld>
             <a:endParaRPr lang="en-US"/>
           </a:p>
@@ -2333,7 +2333,7 @@
           <a:p>
             <a:fld id="{35F845B1-B16D-426F-8C61-118C34761407}" type="datetimeFigureOut">
               <a:rPr lang="en-US" smtClean="0"/>
-              <a:t>3/16/2017</a:t>
+              <a:t>3/17/2017</a:t>
             </a:fld>
             <a:endParaRPr lang="en-US"/>
           </a:p>
@@ -2544,7 +2544,7 @@
           <a:p>
             <a:fld id="{35F845B1-B16D-426F-8C61-118C34761407}" type="datetimeFigureOut">
               <a:rPr lang="en-US" smtClean="0"/>
-              <a:t>3/16/2017</a:t>
+              <a:t>3/17/2017</a:t>
             </a:fld>
             <a:endParaRPr lang="en-US"/>
           </a:p>
@@ -4349,7 +4349,7 @@
         </p:nvSpPr>
         <p:spPr>
           <a:xfrm>
-            <a:off x="1731560" y="2049094"/>
+            <a:off x="3330217" y="2049094"/>
             <a:ext cx="1609331" cy="355335"/>
           </a:xfrm>
           <a:prstGeom prst="rect">
@@ -4379,7 +4379,7 @@
             <a:pPr algn="ctr"/>
             <a:r>
               <a:rPr lang="en-US" dirty="0" err="1"/>
-              <a:t>XMLReader</a:t>
+              <a:t>JSONReader</a:t>
             </a:r>
             <a:endParaRPr lang="en-US" dirty="0"/>
           </a:p>
@@ -4396,91 +4396,8 @@
         </p:nvCxnSpPr>
         <p:spPr>
           <a:xfrm flipH="1">
-            <a:off x="2536226" y="1483700"/>
-            <a:ext cx="1598658" cy="565394"/>
-          </a:xfrm>
-          <a:prstGeom prst="straightConnector1">
-            <a:avLst/>
-          </a:prstGeom>
-          <a:ln>
-            <a:solidFill>
-              <a:srgbClr val="FF0000"/>
-            </a:solidFill>
-            <a:tailEnd type="triangle"/>
-          </a:ln>
-        </p:spPr>
-        <p:style>
-          <a:lnRef idx="3">
-            <a:schemeClr val="accent6"/>
-          </a:lnRef>
-          <a:fillRef idx="0">
-            <a:schemeClr val="accent6"/>
-          </a:fillRef>
-          <a:effectRef idx="2">
-            <a:schemeClr val="accent6"/>
-          </a:effectRef>
-          <a:fontRef idx="minor">
-            <a:schemeClr val="tx1"/>
-          </a:fontRef>
-        </p:style>
-      </p:cxnSp>
-      <p:sp>
-        <p:nvSpPr>
-          <p:cNvPr id="98" name="Rectangle 97"/>
-          <p:cNvSpPr/>
-          <p:nvPr/>
-        </p:nvSpPr>
-        <p:spPr>
-          <a:xfrm>
-            <a:off x="3532613" y="2039960"/>
-            <a:ext cx="1340824" cy="351891"/>
-          </a:xfrm>
-          <a:prstGeom prst="rect">
-            <a:avLst/>
-          </a:prstGeom>
-        </p:spPr>
-        <p:style>
-          <a:lnRef idx="2">
-            <a:schemeClr val="accent1">
-              <a:shade val="50000"/>
-            </a:schemeClr>
-          </a:lnRef>
-          <a:fillRef idx="1">
-            <a:schemeClr val="accent1"/>
-          </a:fillRef>
-          <a:effectRef idx="0">
-            <a:schemeClr val="accent1"/>
-          </a:effectRef>
-          <a:fontRef idx="minor">
-            <a:schemeClr val="lt1"/>
-          </a:fontRef>
-        </p:style>
-        <p:txBody>
-          <a:bodyPr rtlCol="0" anchor="ctr"/>
-          <a:lstStyle/>
-          <a:p>
-            <a:pPr algn="ctr"/>
-            <a:r>
-              <a:rPr lang="en-US" dirty="0" err="1"/>
-              <a:t>LevelBuilder</a:t>
-            </a:r>
-            <a:endParaRPr lang="en-US" dirty="0"/>
-          </a:p>
-        </p:txBody>
-      </p:sp>
-      <p:cxnSp>
-        <p:nvCxnSpPr>
-          <p:cNvPr id="101" name="Straight Arrow Connector 100"/>
-          <p:cNvCxnSpPr>
-            <a:stCxn id="9" idx="2"/>
-            <a:endCxn id="98" idx="0"/>
-          </p:cNvCxnSpPr>
-          <p:nvPr/>
-        </p:nvCxnSpPr>
-        <p:spPr>
-          <a:xfrm>
-            <a:off x="4134884" y="1483700"/>
-            <a:ext cx="68141" cy="556260"/>
+            <a:off x="4134883" y="1483700"/>
+            <a:ext cx="1" cy="565394"/>
           </a:xfrm>
           <a:prstGeom prst="straightConnector1">
             <a:avLst/>
@@ -5999,43 +5916,6 @@
       </p:sp>
       <p:cxnSp>
         <p:nvCxnSpPr>
-          <p:cNvPr id="227" name="Straight Connector 226"/>
-          <p:cNvCxnSpPr>
-            <a:stCxn id="288" idx="1"/>
-          </p:cNvCxnSpPr>
-          <p:nvPr/>
-        </p:nvCxnSpPr>
-        <p:spPr>
-          <a:xfrm flipH="1">
-            <a:off x="808886" y="3506317"/>
-            <a:ext cx="960048" cy="22403"/>
-          </a:xfrm>
-          <a:prstGeom prst="line">
-            <a:avLst/>
-          </a:prstGeom>
-          <a:ln>
-            <a:solidFill>
-              <a:schemeClr val="tx1"/>
-            </a:solidFill>
-          </a:ln>
-        </p:spPr>
-        <p:style>
-          <a:lnRef idx="1">
-            <a:schemeClr val="accent1"/>
-          </a:lnRef>
-          <a:fillRef idx="0">
-            <a:schemeClr val="accent1"/>
-          </a:fillRef>
-          <a:effectRef idx="0">
-            <a:schemeClr val="accent1"/>
-          </a:effectRef>
-          <a:fontRef idx="minor">
-            <a:schemeClr val="tx1"/>
-          </a:fontRef>
-        </p:style>
-      </p:cxnSp>
-      <p:cxnSp>
-        <p:nvCxnSpPr>
           <p:cNvPr id="229" name="Straight Connector 228"/>
           <p:cNvCxnSpPr/>
           <p:nvPr/>
@@ -8285,6 +8165,42 @@
           </a:p>
         </p:txBody>
       </p:sp>
+      <p:cxnSp>
+        <p:nvCxnSpPr>
+          <p:cNvPr id="3" name="Straight Arrow Connector 2"/>
+          <p:cNvCxnSpPr/>
+          <p:nvPr/>
+        </p:nvCxnSpPr>
+        <p:spPr>
+          <a:xfrm flipH="1" flipV="1">
+            <a:off x="1013619" y="3512614"/>
+            <a:ext cx="755317" cy="28872"/>
+          </a:xfrm>
+          <a:prstGeom prst="straightConnector1">
+            <a:avLst/>
+          </a:prstGeom>
+          <a:ln>
+            <a:solidFill>
+              <a:schemeClr val="tx1"/>
+            </a:solidFill>
+            <a:tailEnd type="triangle"/>
+          </a:ln>
+        </p:spPr>
+        <p:style>
+          <a:lnRef idx="1">
+            <a:schemeClr val="accent1"/>
+          </a:lnRef>
+          <a:fillRef idx="0">
+            <a:schemeClr val="accent1"/>
+          </a:fillRef>
+          <a:effectRef idx="0">
+            <a:schemeClr val="accent1"/>
+          </a:effectRef>
+          <a:fontRef idx="minor">
+            <a:schemeClr val="tx1"/>
+          </a:fontRef>
+        </p:style>
+      </p:cxnSp>
     </p:spTree>
     <p:extLst>
       <p:ext uri="{BB962C8B-B14F-4D97-AF65-F5344CB8AC3E}">

--- a/Technical Prototype/Diagrams.pptx
+++ b/Technical Prototype/Diagrams.pptx
@@ -242,7 +242,7 @@
           <a:p>
             <a:fld id="{35F845B1-B16D-426F-8C61-118C34761407}" type="datetimeFigureOut">
               <a:rPr lang="en-US" smtClean="0"/>
-              <a:t>3/17/2017</a:t>
+              <a:t>3/18/2017</a:t>
             </a:fld>
             <a:endParaRPr lang="en-US"/>
           </a:p>
@@ -410,7 +410,7 @@
           <a:p>
             <a:fld id="{35F845B1-B16D-426F-8C61-118C34761407}" type="datetimeFigureOut">
               <a:rPr lang="en-US" smtClean="0"/>
-              <a:t>3/17/2017</a:t>
+              <a:t>3/18/2017</a:t>
             </a:fld>
             <a:endParaRPr lang="en-US"/>
           </a:p>
@@ -588,7 +588,7 @@
           <a:p>
             <a:fld id="{35F845B1-B16D-426F-8C61-118C34761407}" type="datetimeFigureOut">
               <a:rPr lang="en-US" smtClean="0"/>
-              <a:t>3/17/2017</a:t>
+              <a:t>3/18/2017</a:t>
             </a:fld>
             <a:endParaRPr lang="en-US"/>
           </a:p>
@@ -756,7 +756,7 @@
           <a:p>
             <a:fld id="{35F845B1-B16D-426F-8C61-118C34761407}" type="datetimeFigureOut">
               <a:rPr lang="en-US" smtClean="0"/>
-              <a:t>3/17/2017</a:t>
+              <a:t>3/18/2017</a:t>
             </a:fld>
             <a:endParaRPr lang="en-US"/>
           </a:p>
@@ -1001,7 +1001,7 @@
           <a:p>
             <a:fld id="{35F845B1-B16D-426F-8C61-118C34761407}" type="datetimeFigureOut">
               <a:rPr lang="en-US" smtClean="0"/>
-              <a:t>3/17/2017</a:t>
+              <a:t>3/18/2017</a:t>
             </a:fld>
             <a:endParaRPr lang="en-US"/>
           </a:p>
@@ -1230,7 +1230,7 @@
           <a:p>
             <a:fld id="{35F845B1-B16D-426F-8C61-118C34761407}" type="datetimeFigureOut">
               <a:rPr lang="en-US" smtClean="0"/>
-              <a:t>3/17/2017</a:t>
+              <a:t>3/18/2017</a:t>
             </a:fld>
             <a:endParaRPr lang="en-US"/>
           </a:p>
@@ -1594,7 +1594,7 @@
           <a:p>
             <a:fld id="{35F845B1-B16D-426F-8C61-118C34761407}" type="datetimeFigureOut">
               <a:rPr lang="en-US" smtClean="0"/>
-              <a:t>3/17/2017</a:t>
+              <a:t>3/18/2017</a:t>
             </a:fld>
             <a:endParaRPr lang="en-US"/>
           </a:p>
@@ -1711,7 +1711,7 @@
           <a:p>
             <a:fld id="{35F845B1-B16D-426F-8C61-118C34761407}" type="datetimeFigureOut">
               <a:rPr lang="en-US" smtClean="0"/>
-              <a:t>3/17/2017</a:t>
+              <a:t>3/18/2017</a:t>
             </a:fld>
             <a:endParaRPr lang="en-US"/>
           </a:p>
@@ -1806,7 +1806,7 @@
           <a:p>
             <a:fld id="{35F845B1-B16D-426F-8C61-118C34761407}" type="datetimeFigureOut">
               <a:rPr lang="en-US" smtClean="0"/>
-              <a:t>3/17/2017</a:t>
+              <a:t>3/18/2017</a:t>
             </a:fld>
             <a:endParaRPr lang="en-US"/>
           </a:p>
@@ -2081,7 +2081,7 @@
           <a:p>
             <a:fld id="{35F845B1-B16D-426F-8C61-118C34761407}" type="datetimeFigureOut">
               <a:rPr lang="en-US" smtClean="0"/>
-              <a:t>3/17/2017</a:t>
+              <a:t>3/18/2017</a:t>
             </a:fld>
             <a:endParaRPr lang="en-US"/>
           </a:p>
@@ -2333,7 +2333,7 @@
           <a:p>
             <a:fld id="{35F845B1-B16D-426F-8C61-118C34761407}" type="datetimeFigureOut">
               <a:rPr lang="en-US" smtClean="0"/>
-              <a:t>3/17/2017</a:t>
+              <a:t>3/18/2017</a:t>
             </a:fld>
             <a:endParaRPr lang="en-US"/>
           </a:p>
@@ -2544,7 +2544,7 @@
           <a:p>
             <a:fld id="{35F845B1-B16D-426F-8C61-118C34761407}" type="datetimeFigureOut">
               <a:rPr lang="en-US" smtClean="0"/>
-              <a:t>3/17/2017</a:t>
+              <a:t>3/18/2017</a:t>
             </a:fld>
             <a:endParaRPr lang="en-US"/>
           </a:p>
@@ -3257,7 +3257,7 @@
         </p:nvSpPr>
         <p:spPr>
           <a:xfrm>
-            <a:off x="5049716" y="2036516"/>
+            <a:off x="6033206" y="2354790"/>
             <a:ext cx="1740877" cy="355335"/>
           </a:xfrm>
           <a:prstGeom prst="rect">
@@ -3301,7 +3301,7 @@
         </p:nvSpPr>
         <p:spPr>
           <a:xfrm>
-            <a:off x="7288823" y="2036516"/>
+            <a:off x="7943118" y="2037320"/>
             <a:ext cx="1855177" cy="357742"/>
           </a:xfrm>
           <a:prstGeom prst="rect">
@@ -3463,7 +3463,7 @@
             <a:pPr algn="ctr"/>
             <a:r>
               <a:rPr lang="en-US" dirty="0" err="1"/>
-              <a:t>LevelSelectMode</a:t>
+              <a:t>MenuMode</a:t>
             </a:r>
             <a:endParaRPr lang="en-US" dirty="0"/>
           </a:p>
@@ -3821,9 +3821,9 @@
           <p:nvPr/>
         </p:nvCxnSpPr>
         <p:spPr>
-          <a:xfrm flipH="1">
-            <a:off x="8216412" y="1483699"/>
-            <a:ext cx="1" cy="552817"/>
+          <a:xfrm>
+            <a:off x="8216413" y="1483699"/>
+            <a:ext cx="654294" cy="553621"/>
           </a:xfrm>
           <a:prstGeom prst="straightConnector1">
             <a:avLst/>
@@ -3854,54 +3854,15 @@
         <p:nvCxnSpPr>
           <p:cNvPr id="29" name="Straight Arrow Connector 28"/>
           <p:cNvCxnSpPr>
-            <a:stCxn id="8" idx="2"/>
+            <a:stCxn id="8" idx="1"/>
             <a:endCxn id="6" idx="3"/>
           </p:cNvCxnSpPr>
           <p:nvPr/>
         </p:nvCxnSpPr>
         <p:spPr>
-          <a:xfrm flipH="1">
-            <a:off x="6790593" y="1483699"/>
-            <a:ext cx="1425820" cy="730485"/>
-          </a:xfrm>
-          <a:prstGeom prst="straightConnector1">
-            <a:avLst/>
-          </a:prstGeom>
-          <a:ln>
-            <a:solidFill>
-              <a:srgbClr val="FF0000"/>
-            </a:solidFill>
-            <a:tailEnd type="triangle"/>
-          </a:ln>
-        </p:spPr>
-        <p:style>
-          <a:lnRef idx="3">
-            <a:schemeClr val="accent6"/>
-          </a:lnRef>
-          <a:fillRef idx="0">
-            <a:schemeClr val="accent6"/>
-          </a:fillRef>
-          <a:effectRef idx="2">
-            <a:schemeClr val="accent6"/>
-          </a:effectRef>
-          <a:fontRef idx="minor">
-            <a:schemeClr val="tx1"/>
-          </a:fontRef>
-        </p:style>
-      </p:cxnSp>
-      <p:cxnSp>
-        <p:nvCxnSpPr>
-          <p:cNvPr id="32" name="Straight Arrow Connector 31"/>
-          <p:cNvCxnSpPr>
-            <a:stCxn id="10" idx="2"/>
-            <a:endCxn id="6" idx="0"/>
-          </p:cNvCxnSpPr>
-          <p:nvPr/>
-        </p:nvCxnSpPr>
-        <p:spPr>
-          <a:xfrm flipH="1">
-            <a:off x="5920155" y="1483700"/>
-            <a:ext cx="282086" cy="552816"/>
+          <a:xfrm>
+            <a:off x="7438293" y="1310051"/>
+            <a:ext cx="335790" cy="1222407"/>
           </a:xfrm>
           <a:prstGeom prst="straightConnector1">
             <a:avLst/>
@@ -4012,8 +3973,8 @@
         </p:nvCxnSpPr>
         <p:spPr>
           <a:xfrm>
-            <a:off x="8210771" y="2404429"/>
-            <a:ext cx="5640" cy="717906"/>
+            <a:off x="8870706" y="2404429"/>
+            <a:ext cx="24801" cy="705328"/>
           </a:xfrm>
           <a:prstGeom prst="straightConnector1">
             <a:avLst/>
@@ -4131,7 +4092,7 @@
         <p:spPr>
           <a:xfrm>
             <a:off x="5301032" y="3971919"/>
-            <a:ext cx="901209" cy="369332"/>
+            <a:ext cx="920252" cy="369332"/>
           </a:xfrm>
           <a:prstGeom prst="rect">
             <a:avLst/>
@@ -4146,7 +4107,7 @@
           <a:p>
             <a:r>
               <a:rPr lang="en-US" dirty="0"/>
-              <a:t>Inherits</a:t>
+              <a:t>Extends</a:t>
             </a:r>
           </a:p>
         </p:txBody>
@@ -4190,63 +4151,19 @@
           </a:fontRef>
         </p:style>
       </p:cxnSp>
-      <p:sp>
-        <p:nvSpPr>
-          <p:cNvPr id="83" name="Rectangle 82"/>
-          <p:cNvSpPr/>
-          <p:nvPr/>
-        </p:nvSpPr>
-        <p:spPr>
-          <a:xfrm>
-            <a:off x="577840" y="1119599"/>
-            <a:ext cx="1415462" cy="347297"/>
-          </a:xfrm>
-          <a:prstGeom prst="rect">
-            <a:avLst/>
-          </a:prstGeom>
-        </p:spPr>
-        <p:style>
-          <a:lnRef idx="2">
-            <a:schemeClr val="accent1">
-              <a:shade val="50000"/>
-            </a:schemeClr>
-          </a:lnRef>
-          <a:fillRef idx="1">
-            <a:schemeClr val="accent1"/>
-          </a:fillRef>
-          <a:effectRef idx="0">
-            <a:schemeClr val="accent1"/>
-          </a:effectRef>
-          <a:fontRef idx="minor">
-            <a:schemeClr val="lt1"/>
-          </a:fontRef>
-        </p:style>
-        <p:txBody>
-          <a:bodyPr rtlCol="0" anchor="ctr"/>
-          <a:lstStyle/>
-          <a:p>
-            <a:pPr algn="ctr"/>
-            <a:r>
-              <a:rPr lang="en-US" dirty="0" err="1"/>
-              <a:t>GameMode</a:t>
-            </a:r>
-            <a:endParaRPr lang="en-US" dirty="0"/>
-          </a:p>
-        </p:txBody>
-      </p:sp>
       <p:cxnSp>
         <p:nvCxnSpPr>
-          <p:cNvPr id="85" name="Straight Arrow Connector 84"/>
+          <p:cNvPr id="89" name="Straight Arrow Connector 88"/>
           <p:cNvCxnSpPr>
             <a:stCxn id="81" idx="1"/>
-            <a:endCxn id="83" idx="3"/>
+            <a:endCxn id="11" idx="0"/>
           </p:cNvCxnSpPr>
           <p:nvPr/>
         </p:nvCxnSpPr>
         <p:spPr>
           <a:xfrm flipH="1">
-            <a:off x="1993302" y="1293248"/>
-            <a:ext cx="1162037" cy="0"/>
+            <a:off x="1328034" y="1293248"/>
+            <a:ext cx="1827305" cy="2378634"/>
           </a:xfrm>
           <a:prstGeom prst="straightConnector1">
             <a:avLst/>
@@ -4275,46 +4192,61 @@
       </p:cxnSp>
       <p:sp>
         <p:nvSpPr>
-          <p:cNvPr id="86" name="TextBox 85"/>
-          <p:cNvSpPr txBox="1"/>
-          <p:nvPr/>
-        </p:nvSpPr>
-        <p:spPr>
-          <a:xfrm>
-            <a:off x="2076100" y="1265896"/>
-            <a:ext cx="920252" cy="369332"/>
+          <p:cNvPr id="94" name="Rectangle 93"/>
+          <p:cNvSpPr/>
+          <p:nvPr/>
+        </p:nvSpPr>
+        <p:spPr>
+          <a:xfrm>
+            <a:off x="5940202" y="1815500"/>
+            <a:ext cx="1609331" cy="355335"/>
           </a:xfrm>
           <a:prstGeom prst="rect">
             <a:avLst/>
           </a:prstGeom>
-          <a:noFill/>
-        </p:spPr>
-        <p:txBody>
-          <a:bodyPr wrap="none" rtlCol="0">
-            <a:spAutoFit/>
-          </a:bodyPr>
-          <a:lstStyle/>
-          <a:p>
-            <a:r>
-              <a:rPr lang="en-US" dirty="0"/>
-              <a:t>Extends</a:t>
-            </a:r>
+        </p:spPr>
+        <p:style>
+          <a:lnRef idx="2">
+            <a:schemeClr val="accent1">
+              <a:shade val="50000"/>
+            </a:schemeClr>
+          </a:lnRef>
+          <a:fillRef idx="1">
+            <a:schemeClr val="accent1"/>
+          </a:fillRef>
+          <a:effectRef idx="0">
+            <a:schemeClr val="accent1"/>
+          </a:effectRef>
+          <a:fontRef idx="minor">
+            <a:schemeClr val="lt1"/>
+          </a:fontRef>
+        </p:style>
+        <p:txBody>
+          <a:bodyPr rtlCol="0" anchor="ctr"/>
+          <a:lstStyle/>
+          <a:p>
+            <a:pPr algn="ctr"/>
+            <a:r>
+              <a:rPr lang="en-US" dirty="0" err="1"/>
+              <a:t>JSONReader</a:t>
+            </a:r>
+            <a:endParaRPr lang="en-US" dirty="0"/>
           </a:p>
         </p:txBody>
       </p:sp>
       <p:cxnSp>
         <p:nvCxnSpPr>
-          <p:cNvPr id="89" name="Straight Arrow Connector 88"/>
+          <p:cNvPr id="96" name="Straight Arrow Connector 95"/>
           <p:cNvCxnSpPr>
-            <a:stCxn id="83" idx="2"/>
-            <a:endCxn id="11" idx="0"/>
+            <a:stCxn id="10" idx="2"/>
+            <a:endCxn id="94" idx="0"/>
           </p:cNvCxnSpPr>
           <p:nvPr/>
         </p:nvCxnSpPr>
         <p:spPr>
           <a:xfrm>
-            <a:off x="1285571" y="1466896"/>
-            <a:ext cx="42463" cy="2204986"/>
+            <a:off x="6202241" y="1483700"/>
+            <a:ext cx="542627" cy="331800"/>
           </a:xfrm>
           <a:prstGeom prst="straightConnector1">
             <a:avLst/>
@@ -4341,63 +4273,96 @@
           </a:fontRef>
         </p:style>
       </p:cxnSp>
-      <p:sp>
-        <p:nvSpPr>
-          <p:cNvPr id="94" name="Rectangle 93"/>
-          <p:cNvSpPr/>
-          <p:nvPr/>
-        </p:nvSpPr>
-        <p:spPr>
-          <a:xfrm>
-            <a:off x="3330217" y="2049094"/>
-            <a:ext cx="1609331" cy="355335"/>
-          </a:xfrm>
-          <a:prstGeom prst="rect">
-            <a:avLst/>
-          </a:prstGeom>
-        </p:spPr>
-        <p:style>
-          <a:lnRef idx="2">
-            <a:schemeClr val="accent1">
-              <a:shade val="50000"/>
-            </a:schemeClr>
-          </a:lnRef>
-          <a:fillRef idx="1">
-            <a:schemeClr val="accent1"/>
-          </a:fillRef>
-          <a:effectRef idx="0">
-            <a:schemeClr val="accent1"/>
-          </a:effectRef>
-          <a:fontRef idx="minor">
-            <a:schemeClr val="lt1"/>
-          </a:fontRef>
-        </p:style>
-        <p:txBody>
-          <a:bodyPr rtlCol="0" anchor="ctr"/>
-          <a:lstStyle/>
-          <a:p>
-            <a:pPr algn="ctr"/>
-            <a:r>
-              <a:rPr lang="en-US" dirty="0" err="1"/>
-              <a:t>JSONReader</a:t>
-            </a:r>
-            <a:endParaRPr lang="en-US" dirty="0"/>
-          </a:p>
-        </p:txBody>
-      </p:sp>
       <p:cxnSp>
         <p:nvCxnSpPr>
-          <p:cNvPr id="96" name="Straight Arrow Connector 95"/>
+          <p:cNvPr id="42" name="Straight Arrow Connector 41"/>
           <p:cNvCxnSpPr>
-            <a:stCxn id="9" idx="2"/>
+            <a:stCxn id="8" idx="1"/>
+          </p:cNvCxnSpPr>
+          <p:nvPr/>
+        </p:nvCxnSpPr>
+        <p:spPr>
+          <a:xfrm>
+            <a:off x="7438293" y="1310051"/>
+            <a:ext cx="738988" cy="1812281"/>
+          </a:xfrm>
+          <a:prstGeom prst="straightConnector1">
+            <a:avLst/>
+          </a:prstGeom>
+          <a:ln>
+            <a:solidFill>
+              <a:srgbClr val="FF0000"/>
+            </a:solidFill>
+            <a:tailEnd type="triangle"/>
+          </a:ln>
+        </p:spPr>
+        <p:style>
+          <a:lnRef idx="3">
+            <a:schemeClr val="dk1"/>
+          </a:lnRef>
+          <a:fillRef idx="0">
+            <a:schemeClr val="dk1"/>
+          </a:fillRef>
+          <a:effectRef idx="2">
+            <a:schemeClr val="dk1"/>
+          </a:effectRef>
+          <a:fontRef idx="minor">
+            <a:schemeClr val="tx1"/>
+          </a:fontRef>
+        </p:style>
+      </p:cxnSp>
+      <p:cxnSp>
+        <p:nvCxnSpPr>
+          <p:cNvPr id="50" name="Straight Arrow Connector 49"/>
+          <p:cNvCxnSpPr>
+            <a:stCxn id="10" idx="1"/>
+            <a:endCxn id="6" idx="1"/>
+          </p:cNvCxnSpPr>
+          <p:nvPr/>
+        </p:nvCxnSpPr>
+        <p:spPr>
+          <a:xfrm>
+            <a:off x="5273919" y="1310052"/>
+            <a:ext cx="759287" cy="1222406"/>
+          </a:xfrm>
+          <a:prstGeom prst="straightConnector1">
+            <a:avLst/>
+          </a:prstGeom>
+          <a:ln>
+            <a:solidFill>
+              <a:srgbClr val="FF0000"/>
+            </a:solidFill>
+            <a:tailEnd type="triangle"/>
+          </a:ln>
+        </p:spPr>
+        <p:style>
+          <a:lnRef idx="3">
+            <a:schemeClr val="accent6"/>
+          </a:lnRef>
+          <a:fillRef idx="0">
+            <a:schemeClr val="accent6"/>
+          </a:fillRef>
+          <a:effectRef idx="2">
+            <a:schemeClr val="accent6"/>
+          </a:effectRef>
+          <a:fontRef idx="minor">
+            <a:schemeClr val="tx1"/>
+          </a:fontRef>
+        </p:style>
+      </p:cxnSp>
+      <p:cxnSp>
+        <p:nvCxnSpPr>
+          <p:cNvPr id="53" name="Straight Arrow Connector 52"/>
+          <p:cNvCxnSpPr>
+            <a:stCxn id="8" idx="1"/>
             <a:endCxn id="94" idx="0"/>
           </p:cNvCxnSpPr>
           <p:nvPr/>
         </p:nvCxnSpPr>
         <p:spPr>
           <a:xfrm flipH="1">
-            <a:off x="4134883" y="1483700"/>
-            <a:ext cx="1" cy="565394"/>
+            <a:off x="6744868" y="1310051"/>
+            <a:ext cx="693425" cy="505449"/>
           </a:xfrm>
           <a:prstGeom prst="straightConnector1">
             <a:avLst/>
